--- a/Asp.net Core/PPT/WebApi.pptx
+++ b/Asp.net Core/PPT/WebApi.pptx
@@ -7838,7 +7838,7 @@
                 <a:latin typeface="Segoe UI" panose="020B0502040204020203" pitchFamily="34" charset="0"/>
                 <a:cs typeface="Segoe UI" panose="020B0502040204020203" pitchFamily="34" charset="0"/>
               </a:rPr>
-              <a:t>It is a framework that helps you to create and develop HTTP based RESTFUL services. </a:t>
+              <a:t>Web API is a framework that helps you to create and develop HTTP based RESTFUL services. </a:t>
             </a:r>
           </a:p>
           <a:p>
@@ -7944,7 +7944,7 @@
         <p:spPr/>
         <p:txBody>
           <a:bodyPr>
-            <a:normAutofit lnSpcReduction="10000"/>
+            <a:normAutofit/>
           </a:bodyPr>
           <a:lstStyle/>
           <a:p>
@@ -8018,12 +8018,6 @@
             <a:r>
               <a:rPr lang="en-US" sz="1800" dirty="0"/>
               <a:t>It can be hosted with in IIS/Tomcat or Windows Azure</a:t>
-            </a:r>
-          </a:p>
-          <a:p>
-            <a:r>
-              <a:rPr lang="en-US" sz="1800" dirty="0"/>
-              <a:t>It is very similar to ASP.NET MVC since it contains the MVC features such as routing, controllers, action results, filter, model binders  etc.</a:t>
             </a:r>
           </a:p>
         </p:txBody>
@@ -8276,7 +8270,7 @@
         <p:spPr/>
         <p:txBody>
           <a:bodyPr>
-            <a:normAutofit lnSpcReduction="10000"/>
+            <a:normAutofit/>
           </a:bodyPr>
           <a:lstStyle/>
           <a:p>
@@ -8304,13 +8298,6 @@
             <a:r>
               <a:rPr lang="en-US" sz="1800" dirty="0"/>
               <a:t>it use the full features of HTTP (like URIs, request/response headers, caching, versioning, various content formats)</a:t>
-            </a:r>
-          </a:p>
-          <a:p>
-            <a:pPr fontAlgn="t"/>
-            <a:r>
-              <a:rPr lang="en-US" sz="1800" dirty="0"/>
-              <a:t>It also supports the MVC features such as routing, controllers, action results, filter, model binders, IOC container or dependency injection, unit testing that makes it more simple and robust.</a:t>
             </a:r>
           </a:p>
           <a:p>
@@ -8558,6 +8545,16 @@
                 <a:cs typeface="Open Sans" panose="020B0606030504020204" pitchFamily="34" charset="0"/>
               </a:rPr>
               <a:t>One of the key features of HTTP is the use of verbs (also known as methods or actions) to perform specific operations on resources.</a:t>
+            </a:r>
+          </a:p>
+          <a:p>
+            <a:r>
+              <a:rPr lang="en-US" sz="1600" dirty="0">
+                <a:latin typeface="Open Sans" panose="020B0606030504020204" pitchFamily="34" charset="0"/>
+                <a:ea typeface="Open Sans" panose="020B0606030504020204" pitchFamily="34" charset="0"/>
+                <a:cs typeface="Open Sans" panose="020B0606030504020204" pitchFamily="34" charset="0"/>
+              </a:rPr>
+              <a:t>A resource is a specific entity could be customer, employee, product, student etc.</a:t>
             </a:r>
           </a:p>
           <a:p>
